--- a/table1/table1-data.pptx
+++ b/table1/table1-data.pptx
@@ -288,7 +288,7 @@
           <a:p>
             <a:fld id="{5B6A5B04-FDD9-4F06-ABDE-95C944661F2A}" type="datetimeFigureOut">
               <a:rPr lang="zh-CN" altLang="en-US" smtClean="0"/>
-              <a:t>2015/9/12</a:t>
+              <a:t>2015/9/13</a:t>
             </a:fld>
             <a:endParaRPr lang="zh-CN" altLang="en-US"/>
           </a:p>
@@ -458,7 +458,7 @@
           <a:p>
             <a:fld id="{5B6A5B04-FDD9-4F06-ABDE-95C944661F2A}" type="datetimeFigureOut">
               <a:rPr lang="zh-CN" altLang="en-US" smtClean="0"/>
-              <a:t>2015/9/12</a:t>
+              <a:t>2015/9/13</a:t>
             </a:fld>
             <a:endParaRPr lang="zh-CN" altLang="en-US"/>
           </a:p>
@@ -638,7 +638,7 @@
           <a:p>
             <a:fld id="{5B6A5B04-FDD9-4F06-ABDE-95C944661F2A}" type="datetimeFigureOut">
               <a:rPr lang="zh-CN" altLang="en-US" smtClean="0"/>
-              <a:t>2015/9/12</a:t>
+              <a:t>2015/9/13</a:t>
             </a:fld>
             <a:endParaRPr lang="zh-CN" altLang="en-US"/>
           </a:p>
@@ -808,7 +808,7 @@
           <a:p>
             <a:fld id="{5B6A5B04-FDD9-4F06-ABDE-95C944661F2A}" type="datetimeFigureOut">
               <a:rPr lang="zh-CN" altLang="en-US" smtClean="0"/>
-              <a:t>2015/9/12</a:t>
+              <a:t>2015/9/13</a:t>
             </a:fld>
             <a:endParaRPr lang="zh-CN" altLang="en-US"/>
           </a:p>
@@ -1054,7 +1054,7 @@
           <a:p>
             <a:fld id="{5B6A5B04-FDD9-4F06-ABDE-95C944661F2A}" type="datetimeFigureOut">
               <a:rPr lang="zh-CN" altLang="en-US" smtClean="0"/>
-              <a:t>2015/9/12</a:t>
+              <a:t>2015/9/13</a:t>
             </a:fld>
             <a:endParaRPr lang="zh-CN" altLang="en-US"/>
           </a:p>
@@ -1342,7 +1342,7 @@
           <a:p>
             <a:fld id="{5B6A5B04-FDD9-4F06-ABDE-95C944661F2A}" type="datetimeFigureOut">
               <a:rPr lang="zh-CN" altLang="en-US" smtClean="0"/>
-              <a:t>2015/9/12</a:t>
+              <a:t>2015/9/13</a:t>
             </a:fld>
             <a:endParaRPr lang="zh-CN" altLang="en-US"/>
           </a:p>
@@ -1764,7 +1764,7 @@
           <a:p>
             <a:fld id="{5B6A5B04-FDD9-4F06-ABDE-95C944661F2A}" type="datetimeFigureOut">
               <a:rPr lang="zh-CN" altLang="en-US" smtClean="0"/>
-              <a:t>2015/9/12</a:t>
+              <a:t>2015/9/13</a:t>
             </a:fld>
             <a:endParaRPr lang="zh-CN" altLang="en-US"/>
           </a:p>
@@ -1882,7 +1882,7 @@
           <a:p>
             <a:fld id="{5B6A5B04-FDD9-4F06-ABDE-95C944661F2A}" type="datetimeFigureOut">
               <a:rPr lang="zh-CN" altLang="en-US" smtClean="0"/>
-              <a:t>2015/9/12</a:t>
+              <a:t>2015/9/13</a:t>
             </a:fld>
             <a:endParaRPr lang="zh-CN" altLang="en-US"/>
           </a:p>
@@ -1977,7 +1977,7 @@
           <a:p>
             <a:fld id="{5B6A5B04-FDD9-4F06-ABDE-95C944661F2A}" type="datetimeFigureOut">
               <a:rPr lang="zh-CN" altLang="en-US" smtClean="0"/>
-              <a:t>2015/9/12</a:t>
+              <a:t>2015/9/13</a:t>
             </a:fld>
             <a:endParaRPr lang="zh-CN" altLang="en-US"/>
           </a:p>
@@ -2254,7 +2254,7 @@
           <a:p>
             <a:fld id="{5B6A5B04-FDD9-4F06-ABDE-95C944661F2A}" type="datetimeFigureOut">
               <a:rPr lang="zh-CN" altLang="en-US" smtClean="0"/>
-              <a:t>2015/9/12</a:t>
+              <a:t>2015/9/13</a:t>
             </a:fld>
             <a:endParaRPr lang="zh-CN" altLang="en-US"/>
           </a:p>
@@ -2507,7 +2507,7 @@
           <a:p>
             <a:fld id="{5B6A5B04-FDD9-4F06-ABDE-95C944661F2A}" type="datetimeFigureOut">
               <a:rPr lang="zh-CN" altLang="en-US" smtClean="0"/>
-              <a:t>2015/9/12</a:t>
+              <a:t>2015/9/13</a:t>
             </a:fld>
             <a:endParaRPr lang="zh-CN" altLang="en-US"/>
           </a:p>
@@ -2720,7 +2720,7 @@
           <a:p>
             <a:fld id="{5B6A5B04-FDD9-4F06-ABDE-95C944661F2A}" type="datetimeFigureOut">
               <a:rPr lang="zh-CN" altLang="en-US" smtClean="0"/>
-              <a:t>2015/9/12</a:t>
+              <a:t>2015/9/13</a:t>
             </a:fld>
             <a:endParaRPr lang="zh-CN" altLang="en-US"/>
           </a:p>
@@ -3104,14 +3104,14 @@
           <p:nvPr>
             <p:extLst>
               <p:ext uri="{D42A27DB-BD31-4B8C-83A1-F6EECF244321}">
-                <p14:modId xmlns:p14="http://schemas.microsoft.com/office/powerpoint/2010/main" val="797171598"/>
+                <p14:modId xmlns:p14="http://schemas.microsoft.com/office/powerpoint/2010/main" val="1555271215"/>
               </p:ext>
             </p:extLst>
           </p:nvPr>
         </p:nvGraphicFramePr>
         <p:xfrm>
-          <a:off x="-1524000" y="152400"/>
-          <a:ext cx="12618720" cy="7825920"/>
+          <a:off x="-1676400" y="-762000"/>
+          <a:ext cx="12618720" cy="8347648"/>
         </p:xfrm>
         <a:graphic>
           <a:graphicData uri="http://schemas.openxmlformats.org/drawingml/2006/table">
@@ -3586,7 +3586,7 @@
                           <a:latin typeface="Arial" pitchFamily="34" charset="0"/>
                           <a:cs typeface="Arial" pitchFamily="34" charset="0"/>
                         </a:rPr>
-                        <a:t> </a:t>
+                        <a:t>-</a:t>
                       </a:r>
                       <a:r>
                         <a:rPr lang="en-US" altLang="zh-CN" sz="2400" b="0" dirty="0" smtClean="0">
@@ -3663,7 +3663,7 @@
                         <a:defRPr/>
                       </a:pPr>
                       <a:r>
-                        <a:rPr lang="en-US" altLang="zh-CN" sz="2400" b="0" dirty="0" smtClean="0">
+                        <a:rPr lang="en-US" altLang="zh-CN" sz="2400" b="0" smtClean="0">
                           <a:solidFill>
                             <a:schemeClr val="tx1"/>
                           </a:solidFill>
@@ -3673,17 +3673,17 @@
                         <a:t>DSI-11</a:t>
                       </a:r>
                       <a:r>
-                        <a:rPr lang="en-US" altLang="zh-CN" sz="2400" b="0" baseline="0" dirty="0" smtClean="0">
-                          <a:solidFill>
-                            <a:schemeClr val="tx1"/>
-                          </a:solidFill>
-                          <a:latin typeface="Arial" pitchFamily="34" charset="0"/>
-                          <a:cs typeface="Arial" pitchFamily="34" charset="0"/>
-                        </a:rPr>
-                        <a:t> </a:t>
-                      </a:r>
-                      <a:r>
-                        <a:rPr lang="en-US" altLang="zh-CN" sz="2400" b="0" dirty="0" smtClean="0">
+                        <a:rPr lang="en-US" altLang="zh-CN" sz="2400" b="0" baseline="0" smtClean="0">
+                          <a:solidFill>
+                            <a:schemeClr val="tx1"/>
+                          </a:solidFill>
+                          <a:latin typeface="Arial" pitchFamily="34" charset="0"/>
+                          <a:cs typeface="Arial" pitchFamily="34" charset="0"/>
+                        </a:rPr>
+                        <a:t>-</a:t>
+                      </a:r>
+                      <a:r>
+                        <a:rPr lang="en-US" altLang="zh-CN" sz="2400" b="0" smtClean="0">
                           <a:solidFill>
                             <a:schemeClr val="tx1"/>
                           </a:solidFill>
@@ -5522,17 +5522,7 @@
                           <a:latin typeface="Arial" pitchFamily="34" charset="0"/>
                           <a:cs typeface="Arial" pitchFamily="34" charset="0"/>
                         </a:rPr>
-                        <a:t>178.5/</a:t>
-                      </a:r>
-                      <a:r>
-                        <a:rPr lang="en-US" altLang="zh-CN" sz="2400" b="0" dirty="0" smtClean="0">
-                          <a:solidFill>
-                            <a:schemeClr val="tx1"/>
-                          </a:solidFill>
-                          <a:latin typeface="Arial" pitchFamily="34" charset="0"/>
-                          <a:cs typeface="Arial" pitchFamily="34" charset="0"/>
-                        </a:rPr>
-                        <a:t>25.5</a:t>
+                        <a:t>178.5/25.5</a:t>
                       </a:r>
                       <a:endParaRPr lang="zh-CN" altLang="en-US" sz="2400" b="0" dirty="0">
                         <a:solidFill>
@@ -5597,8 +5587,146 @@
                           <a:latin typeface="Arial" pitchFamily="34" charset="0"/>
                           <a:cs typeface="Arial" pitchFamily="34" charset="0"/>
                         </a:rPr>
-                        <a:t>178.5/</a:t>
-                      </a:r>
+                        <a:t>178.5/22.3</a:t>
+                      </a:r>
+                      <a:endParaRPr lang="zh-CN" altLang="en-US" sz="2400" b="0" dirty="0">
+                        <a:solidFill>
+                          <a:schemeClr val="tx1"/>
+                        </a:solidFill>
+                        <a:latin typeface="Arial" pitchFamily="34" charset="0"/>
+                        <a:cs typeface="Arial" pitchFamily="34" charset="0"/>
+                      </a:endParaRPr>
+                    </a:p>
+                  </a:txBody>
+                  <a:tcPr marL="155968" marR="155968" marT="77984" marB="77984" anchor="ctr">
+                    <a:lnL w="12700" cap="flat" cmpd="sng" algn="ctr">
+                      <a:solidFill>
+                        <a:schemeClr val="tx1"/>
+                      </a:solidFill>
+                      <a:prstDash val="solid"/>
+                      <a:round/>
+                      <a:headEnd type="none" w="med" len="med"/>
+                      <a:tailEnd type="none" w="med" len="med"/>
+                    </a:lnL>
+                    <a:lnR w="12700" cap="flat" cmpd="sng" algn="ctr">
+                      <a:solidFill>
+                        <a:schemeClr val="tx1"/>
+                      </a:solidFill>
+                      <a:prstDash val="solid"/>
+                      <a:round/>
+                      <a:headEnd type="none" w="med" len="med"/>
+                      <a:tailEnd type="none" w="med" len="med"/>
+                    </a:lnR>
+                    <a:lnT w="12700" cap="flat" cmpd="sng" algn="ctr">
+                      <a:solidFill>
+                        <a:schemeClr val="tx1"/>
+                      </a:solidFill>
+                      <a:prstDash val="solid"/>
+                      <a:round/>
+                      <a:headEnd type="none" w="med" len="med"/>
+                      <a:tailEnd type="none" w="med" len="med"/>
+                    </a:lnT>
+                    <a:lnB w="12700" cap="flat" cmpd="sng" algn="ctr">
+                      <a:solidFill>
+                        <a:schemeClr val="tx1"/>
+                      </a:solidFill>
+                      <a:prstDash val="solid"/>
+                      <a:round/>
+                      <a:headEnd type="none" w="med" len="med"/>
+                      <a:tailEnd type="none" w="med" len="med"/>
+                    </a:lnB>
+                    <a:noFill/>
+                  </a:tcPr>
+                </a:tc>
+              </a:tr>
+              <a:tr h="0">
+                <a:tc>
+                  <a:txBody>
+                    <a:bodyPr/>
+                    <a:lstStyle/>
+                    <a:p>
+                      <a:pPr marL="0" marR="0" indent="0" algn="ctr" defTabSz="914400" rtl="0" eaLnBrk="1" fontAlgn="auto" latinLnBrk="0" hangingPunct="1">
+                        <a:lnSpc>
+                          <a:spcPct val="100000"/>
+                        </a:lnSpc>
+                        <a:spcBef>
+                          <a:spcPts val="0"/>
+                        </a:spcBef>
+                        <a:spcAft>
+                          <a:spcPts val="0"/>
+                        </a:spcAft>
+                        <a:buClrTx/>
+                        <a:buSzTx/>
+                        <a:buFontTx/>
+                        <a:buNone/>
+                        <a:tabLst/>
+                        <a:defRPr/>
+                      </a:pPr>
+                      <a:r>
+                        <a:rPr lang="en-US" altLang="zh-CN" sz="2400" b="0" baseline="0" dirty="0" smtClean="0">
+                          <a:solidFill>
+                            <a:schemeClr val="tx1"/>
+                          </a:solidFill>
+                          <a:latin typeface="Arial" pitchFamily="34" charset="0"/>
+                          <a:cs typeface="Arial" pitchFamily="34" charset="0"/>
+                        </a:rPr>
+                        <a:t>q-sample #</a:t>
+                      </a:r>
+                      <a:endParaRPr lang="zh-CN" altLang="en-US" sz="2400" b="0" baseline="0" dirty="0" smtClean="0">
+                        <a:solidFill>
+                          <a:schemeClr val="tx1"/>
+                        </a:solidFill>
+                        <a:latin typeface="Arial" pitchFamily="34" charset="0"/>
+                        <a:cs typeface="Arial" pitchFamily="34" charset="0"/>
+                      </a:endParaRPr>
+                    </a:p>
+                  </a:txBody>
+                  <a:tcPr marL="155968" marR="155968" marT="77984" marB="77984" anchor="ctr">
+                    <a:lnL w="12700" cap="flat" cmpd="sng" algn="ctr">
+                      <a:solidFill>
+                        <a:schemeClr val="tx1"/>
+                      </a:solidFill>
+                      <a:prstDash val="solid"/>
+                      <a:round/>
+                      <a:headEnd type="none" w="med" len="med"/>
+                      <a:tailEnd type="none" w="med" len="med"/>
+                    </a:lnL>
+                    <a:lnR w="12700" cap="flat" cmpd="sng" algn="ctr">
+                      <a:solidFill>
+                        <a:schemeClr val="tx1"/>
+                      </a:solidFill>
+                      <a:prstDash val="solid"/>
+                      <a:round/>
+                      <a:headEnd type="none" w="med" len="med"/>
+                      <a:tailEnd type="none" w="med" len="med"/>
+                    </a:lnR>
+                    <a:lnT w="12700" cap="flat" cmpd="sng" algn="ctr">
+                      <a:solidFill>
+                        <a:schemeClr val="tx1"/>
+                      </a:solidFill>
+                      <a:prstDash val="solid"/>
+                      <a:round/>
+                      <a:headEnd type="none" w="med" len="med"/>
+                      <a:tailEnd type="none" w="med" len="med"/>
+                    </a:lnT>
+                    <a:lnB w="12700" cap="flat" cmpd="sng" algn="ctr">
+                      <a:solidFill>
+                        <a:schemeClr val="tx1"/>
+                      </a:solidFill>
+                      <a:prstDash val="solid"/>
+                      <a:round/>
+                      <a:headEnd type="none" w="med" len="med"/>
+                      <a:tailEnd type="none" w="med" len="med"/>
+                    </a:lnB>
+                    <a:noFill/>
+                  </a:tcPr>
+                </a:tc>
+                <a:tc>
+                  <a:txBody>
+                    <a:bodyPr/>
+                    <a:lstStyle/>
+                    <a:p>
+                      <a:pPr algn="ctr"/>
                       <a:r>
                         <a:rPr lang="en-US" altLang="zh-CN" sz="2400" b="0" dirty="0" smtClean="0">
                           <a:solidFill>
@@ -5607,7 +5735,267 @@
                           <a:latin typeface="Arial" pitchFamily="34" charset="0"/>
                           <a:cs typeface="Arial" pitchFamily="34" charset="0"/>
                         </a:rPr>
-                        <a:t>22.3</a:t>
+                        <a:t>515</a:t>
+                      </a:r>
+                      <a:endParaRPr lang="zh-CN" altLang="en-US" sz="2400" b="0" dirty="0">
+                        <a:solidFill>
+                          <a:schemeClr val="tx1"/>
+                        </a:solidFill>
+                        <a:latin typeface="Arial" pitchFamily="34" charset="0"/>
+                        <a:cs typeface="Arial" pitchFamily="34" charset="0"/>
+                      </a:endParaRPr>
+                    </a:p>
+                  </a:txBody>
+                  <a:tcPr marL="155968" marR="155968" marT="77984" marB="77984" anchor="ctr">
+                    <a:lnL w="12700" cap="flat" cmpd="sng" algn="ctr">
+                      <a:solidFill>
+                        <a:schemeClr val="tx1"/>
+                      </a:solidFill>
+                      <a:prstDash val="solid"/>
+                      <a:round/>
+                      <a:headEnd type="none" w="med" len="med"/>
+                      <a:tailEnd type="none" w="med" len="med"/>
+                    </a:lnL>
+                    <a:lnR w="12700" cap="flat" cmpd="sng" algn="ctr">
+                      <a:solidFill>
+                        <a:schemeClr val="tx1"/>
+                      </a:solidFill>
+                      <a:prstDash val="solid"/>
+                      <a:round/>
+                      <a:headEnd type="none" w="med" len="med"/>
+                      <a:tailEnd type="none" w="med" len="med"/>
+                    </a:lnR>
+                    <a:lnT w="12700" cap="flat" cmpd="sng" algn="ctr">
+                      <a:solidFill>
+                        <a:schemeClr val="tx1"/>
+                      </a:solidFill>
+                      <a:prstDash val="solid"/>
+                      <a:round/>
+                      <a:headEnd type="none" w="med" len="med"/>
+                      <a:tailEnd type="none" w="med" len="med"/>
+                    </a:lnT>
+                    <a:lnB w="12700" cap="flat" cmpd="sng" algn="ctr">
+                      <a:solidFill>
+                        <a:schemeClr val="tx1"/>
+                      </a:solidFill>
+                      <a:prstDash val="solid"/>
+                      <a:round/>
+                      <a:headEnd type="none" w="med" len="med"/>
+                      <a:tailEnd type="none" w="med" len="med"/>
+                    </a:lnB>
+                    <a:noFill/>
+                  </a:tcPr>
+                </a:tc>
+                <a:tc>
+                  <a:txBody>
+                    <a:bodyPr/>
+                    <a:lstStyle/>
+                    <a:p>
+                      <a:pPr algn="ctr"/>
+                      <a:r>
+                        <a:rPr lang="en-US" altLang="zh-CN" sz="2400" b="0" dirty="0" smtClean="0">
+                          <a:solidFill>
+                            <a:schemeClr val="tx1"/>
+                          </a:solidFill>
+                          <a:latin typeface="Arial" pitchFamily="34" charset="0"/>
+                          <a:cs typeface="Arial" pitchFamily="34" charset="0"/>
+                        </a:rPr>
+                        <a:t>515</a:t>
+                      </a:r>
+                      <a:endParaRPr lang="zh-CN" altLang="en-US" sz="2400" b="0" dirty="0">
+                        <a:solidFill>
+                          <a:schemeClr val="tx1"/>
+                        </a:solidFill>
+                        <a:latin typeface="Arial" pitchFamily="34" charset="0"/>
+                        <a:cs typeface="Arial" pitchFamily="34" charset="0"/>
+                      </a:endParaRPr>
+                    </a:p>
+                  </a:txBody>
+                  <a:tcPr marL="155968" marR="155968" marT="77984" marB="77984" anchor="ctr">
+                    <a:lnL w="12700" cap="flat" cmpd="sng" algn="ctr">
+                      <a:solidFill>
+                        <a:schemeClr val="tx1"/>
+                      </a:solidFill>
+                      <a:prstDash val="solid"/>
+                      <a:round/>
+                      <a:headEnd type="none" w="med" len="med"/>
+                      <a:tailEnd type="none" w="med" len="med"/>
+                    </a:lnL>
+                    <a:lnR w="12700" cap="flat" cmpd="sng" algn="ctr">
+                      <a:solidFill>
+                        <a:schemeClr val="tx1"/>
+                      </a:solidFill>
+                      <a:prstDash val="solid"/>
+                      <a:round/>
+                      <a:headEnd type="none" w="med" len="med"/>
+                      <a:tailEnd type="none" w="med" len="med"/>
+                    </a:lnR>
+                    <a:lnT w="12700" cap="flat" cmpd="sng" algn="ctr">
+                      <a:solidFill>
+                        <a:schemeClr val="tx1"/>
+                      </a:solidFill>
+                      <a:prstDash val="solid"/>
+                      <a:round/>
+                      <a:headEnd type="none" w="med" len="med"/>
+                      <a:tailEnd type="none" w="med" len="med"/>
+                    </a:lnT>
+                    <a:lnB w="12700" cap="flat" cmpd="sng" algn="ctr">
+                      <a:solidFill>
+                        <a:schemeClr val="tx1"/>
+                      </a:solidFill>
+                      <a:prstDash val="solid"/>
+                      <a:round/>
+                      <a:headEnd type="none" w="med" len="med"/>
+                      <a:tailEnd type="none" w="med" len="med"/>
+                    </a:lnB>
+                    <a:noFill/>
+                  </a:tcPr>
+                </a:tc>
+                <a:tc>
+                  <a:txBody>
+                    <a:bodyPr/>
+                    <a:lstStyle/>
+                    <a:p>
+                      <a:pPr algn="ctr"/>
+                      <a:r>
+                        <a:rPr lang="en-US" altLang="zh-CN" sz="2400" b="0" dirty="0" smtClean="0">
+                          <a:solidFill>
+                            <a:schemeClr val="tx1"/>
+                          </a:solidFill>
+                          <a:latin typeface="Arial" pitchFamily="34" charset="0"/>
+                          <a:cs typeface="Arial" pitchFamily="34" charset="0"/>
+                        </a:rPr>
+                        <a:t>515</a:t>
+                      </a:r>
+                      <a:endParaRPr lang="zh-CN" altLang="en-US" sz="2400" b="0" dirty="0">
+                        <a:solidFill>
+                          <a:schemeClr val="tx1"/>
+                        </a:solidFill>
+                        <a:latin typeface="Arial" pitchFamily="34" charset="0"/>
+                        <a:cs typeface="Arial" pitchFamily="34" charset="0"/>
+                      </a:endParaRPr>
+                    </a:p>
+                  </a:txBody>
+                  <a:tcPr marL="155968" marR="155968" marT="77984" marB="77984" anchor="ctr">
+                    <a:lnL w="12700" cap="flat" cmpd="sng" algn="ctr">
+                      <a:solidFill>
+                        <a:schemeClr val="tx1"/>
+                      </a:solidFill>
+                      <a:prstDash val="solid"/>
+                      <a:round/>
+                      <a:headEnd type="none" w="med" len="med"/>
+                      <a:tailEnd type="none" w="med" len="med"/>
+                    </a:lnL>
+                    <a:lnR w="12700" cap="flat" cmpd="sng" algn="ctr">
+                      <a:solidFill>
+                        <a:schemeClr val="tx1"/>
+                      </a:solidFill>
+                      <a:prstDash val="solid"/>
+                      <a:round/>
+                      <a:headEnd type="none" w="med" len="med"/>
+                      <a:tailEnd type="none" w="med" len="med"/>
+                    </a:lnR>
+                    <a:lnT w="12700" cap="flat" cmpd="sng" algn="ctr">
+                      <a:solidFill>
+                        <a:schemeClr val="tx1"/>
+                      </a:solidFill>
+                      <a:prstDash val="solid"/>
+                      <a:round/>
+                      <a:headEnd type="none" w="med" len="med"/>
+                      <a:tailEnd type="none" w="med" len="med"/>
+                    </a:lnT>
+                    <a:lnB w="12700" cap="flat" cmpd="sng" algn="ctr">
+                      <a:solidFill>
+                        <a:schemeClr val="tx1"/>
+                      </a:solidFill>
+                      <a:prstDash val="solid"/>
+                      <a:round/>
+                      <a:headEnd type="none" w="med" len="med"/>
+                      <a:tailEnd type="none" w="med" len="med"/>
+                    </a:lnB>
+                    <a:noFill/>
+                  </a:tcPr>
+                </a:tc>
+                <a:tc>
+                  <a:txBody>
+                    <a:bodyPr/>
+                    <a:lstStyle/>
+                    <a:p>
+                      <a:pPr algn="ctr"/>
+                      <a:r>
+                        <a:rPr lang="en-US" altLang="zh-CN" sz="2400" b="0" dirty="0" smtClean="0">
+                          <a:solidFill>
+                            <a:schemeClr val="tx1"/>
+                          </a:solidFill>
+                          <a:latin typeface="Arial" pitchFamily="34" charset="0"/>
+                          <a:cs typeface="Arial" pitchFamily="34" charset="0"/>
+                        </a:rPr>
+                        <a:t>1419</a:t>
+                      </a:r>
+                      <a:endParaRPr lang="zh-CN" altLang="en-US" sz="2400" b="0" dirty="0">
+                        <a:solidFill>
+                          <a:schemeClr val="tx1"/>
+                        </a:solidFill>
+                        <a:latin typeface="Arial" pitchFamily="34" charset="0"/>
+                        <a:cs typeface="Arial" pitchFamily="34" charset="0"/>
+                      </a:endParaRPr>
+                    </a:p>
+                  </a:txBody>
+                  <a:tcPr marL="155968" marR="155968" marT="77984" marB="77984" anchor="ctr">
+                    <a:lnL w="12700" cap="flat" cmpd="sng" algn="ctr">
+                      <a:solidFill>
+                        <a:schemeClr val="tx1"/>
+                      </a:solidFill>
+                      <a:prstDash val="solid"/>
+                      <a:round/>
+                      <a:headEnd type="none" w="med" len="med"/>
+                      <a:tailEnd type="none" w="med" len="med"/>
+                    </a:lnL>
+                    <a:lnR w="12700" cap="flat" cmpd="sng" algn="ctr">
+                      <a:solidFill>
+                        <a:schemeClr val="tx1"/>
+                      </a:solidFill>
+                      <a:prstDash val="solid"/>
+                      <a:round/>
+                      <a:headEnd type="none" w="med" len="med"/>
+                      <a:tailEnd type="none" w="med" len="med"/>
+                    </a:lnR>
+                    <a:lnT w="12700" cap="flat" cmpd="sng" algn="ctr">
+                      <a:solidFill>
+                        <a:schemeClr val="tx1"/>
+                      </a:solidFill>
+                      <a:prstDash val="solid"/>
+                      <a:round/>
+                      <a:headEnd type="none" w="med" len="med"/>
+                      <a:tailEnd type="none" w="med" len="med"/>
+                    </a:lnT>
+                    <a:lnB w="12700" cap="flat" cmpd="sng" algn="ctr">
+                      <a:solidFill>
+                        <a:schemeClr val="tx1"/>
+                      </a:solidFill>
+                      <a:prstDash val="solid"/>
+                      <a:round/>
+                      <a:headEnd type="none" w="med" len="med"/>
+                      <a:tailEnd type="none" w="med" len="med"/>
+                    </a:lnB>
+                    <a:noFill/>
+                  </a:tcPr>
+                </a:tc>
+                <a:tc>
+                  <a:txBody>
+                    <a:bodyPr/>
+                    <a:lstStyle/>
+                    <a:p>
+                      <a:pPr algn="ctr"/>
+                      <a:r>
+                        <a:rPr lang="en-US" altLang="zh-CN" sz="2400" b="0" dirty="0" smtClean="0">
+                          <a:solidFill>
+                            <a:schemeClr val="tx1"/>
+                          </a:solidFill>
+                          <a:latin typeface="Arial" pitchFamily="34" charset="0"/>
+                          <a:cs typeface="Arial" pitchFamily="34" charset="0"/>
+                        </a:rPr>
+                        <a:t>2109</a:t>
                       </a:r>
                       <a:endParaRPr lang="zh-CN" altLang="en-US" sz="2400" b="0" dirty="0">
                         <a:solidFill>
@@ -6793,7 +7181,17 @@
                           <a:latin typeface="Arial" pitchFamily="34" charset="0"/>
                           <a:cs typeface="Arial" pitchFamily="34" charset="0"/>
                         </a:rPr>
-                        <a:t> number</a:t>
+                        <a:t> </a:t>
+                      </a:r>
+                      <a:r>
+                        <a:rPr lang="en-US" altLang="zh-CN" sz="2400" b="0" baseline="0" dirty="0" smtClean="0">
+                          <a:solidFill>
+                            <a:schemeClr val="tx1"/>
+                          </a:solidFill>
+                          <a:latin typeface="Arial" pitchFamily="34" charset="0"/>
+                          <a:cs typeface="Arial" pitchFamily="34" charset="0"/>
+                        </a:rPr>
+                        <a:t>#</a:t>
                       </a:r>
                       <a:endParaRPr lang="zh-CN" altLang="en-US" sz="2400" b="0" dirty="0" smtClean="0">
                         <a:solidFill>

--- a/table1/table1-data.pptx
+++ b/table1/table1-data.pptx
@@ -288,7 +288,7 @@
           <a:p>
             <a:fld id="{5B6A5B04-FDD9-4F06-ABDE-95C944661F2A}" type="datetimeFigureOut">
               <a:rPr lang="zh-CN" altLang="en-US" smtClean="0"/>
-              <a:t>2015/9/13</a:t>
+              <a:t>2015/9/14</a:t>
             </a:fld>
             <a:endParaRPr lang="zh-CN" altLang="en-US"/>
           </a:p>
@@ -458,7 +458,7 @@
           <a:p>
             <a:fld id="{5B6A5B04-FDD9-4F06-ABDE-95C944661F2A}" type="datetimeFigureOut">
               <a:rPr lang="zh-CN" altLang="en-US" smtClean="0"/>
-              <a:t>2015/9/13</a:t>
+              <a:t>2015/9/14</a:t>
             </a:fld>
             <a:endParaRPr lang="zh-CN" altLang="en-US"/>
           </a:p>
@@ -638,7 +638,7 @@
           <a:p>
             <a:fld id="{5B6A5B04-FDD9-4F06-ABDE-95C944661F2A}" type="datetimeFigureOut">
               <a:rPr lang="zh-CN" altLang="en-US" smtClean="0"/>
-              <a:t>2015/9/13</a:t>
+              <a:t>2015/9/14</a:t>
             </a:fld>
             <a:endParaRPr lang="zh-CN" altLang="en-US"/>
           </a:p>
@@ -808,7 +808,7 @@
           <a:p>
             <a:fld id="{5B6A5B04-FDD9-4F06-ABDE-95C944661F2A}" type="datetimeFigureOut">
               <a:rPr lang="zh-CN" altLang="en-US" smtClean="0"/>
-              <a:t>2015/9/13</a:t>
+              <a:t>2015/9/14</a:t>
             </a:fld>
             <a:endParaRPr lang="zh-CN" altLang="en-US"/>
           </a:p>
@@ -1054,7 +1054,7 @@
           <a:p>
             <a:fld id="{5B6A5B04-FDD9-4F06-ABDE-95C944661F2A}" type="datetimeFigureOut">
               <a:rPr lang="zh-CN" altLang="en-US" smtClean="0"/>
-              <a:t>2015/9/13</a:t>
+              <a:t>2015/9/14</a:t>
             </a:fld>
             <a:endParaRPr lang="zh-CN" altLang="en-US"/>
           </a:p>
@@ -1342,7 +1342,7 @@
           <a:p>
             <a:fld id="{5B6A5B04-FDD9-4F06-ABDE-95C944661F2A}" type="datetimeFigureOut">
               <a:rPr lang="zh-CN" altLang="en-US" smtClean="0"/>
-              <a:t>2015/9/13</a:t>
+              <a:t>2015/9/14</a:t>
             </a:fld>
             <a:endParaRPr lang="zh-CN" altLang="en-US"/>
           </a:p>
@@ -1764,7 +1764,7 @@
           <a:p>
             <a:fld id="{5B6A5B04-FDD9-4F06-ABDE-95C944661F2A}" type="datetimeFigureOut">
               <a:rPr lang="zh-CN" altLang="en-US" smtClean="0"/>
-              <a:t>2015/9/13</a:t>
+              <a:t>2015/9/14</a:t>
             </a:fld>
             <a:endParaRPr lang="zh-CN" altLang="en-US"/>
           </a:p>
@@ -1882,7 +1882,7 @@
           <a:p>
             <a:fld id="{5B6A5B04-FDD9-4F06-ABDE-95C944661F2A}" type="datetimeFigureOut">
               <a:rPr lang="zh-CN" altLang="en-US" smtClean="0"/>
-              <a:t>2015/9/13</a:t>
+              <a:t>2015/9/14</a:t>
             </a:fld>
             <a:endParaRPr lang="zh-CN" altLang="en-US"/>
           </a:p>
@@ -1977,7 +1977,7 @@
           <a:p>
             <a:fld id="{5B6A5B04-FDD9-4F06-ABDE-95C944661F2A}" type="datetimeFigureOut">
               <a:rPr lang="zh-CN" altLang="en-US" smtClean="0"/>
-              <a:t>2015/9/13</a:t>
+              <a:t>2015/9/14</a:t>
             </a:fld>
             <a:endParaRPr lang="zh-CN" altLang="en-US"/>
           </a:p>
@@ -2254,7 +2254,7 @@
           <a:p>
             <a:fld id="{5B6A5B04-FDD9-4F06-ABDE-95C944661F2A}" type="datetimeFigureOut">
               <a:rPr lang="zh-CN" altLang="en-US" smtClean="0"/>
-              <a:t>2015/9/13</a:t>
+              <a:t>2015/9/14</a:t>
             </a:fld>
             <a:endParaRPr lang="zh-CN" altLang="en-US"/>
           </a:p>
@@ -2507,7 +2507,7 @@
           <a:p>
             <a:fld id="{5B6A5B04-FDD9-4F06-ABDE-95C944661F2A}" type="datetimeFigureOut">
               <a:rPr lang="zh-CN" altLang="en-US" smtClean="0"/>
-              <a:t>2015/9/13</a:t>
+              <a:t>2015/9/14</a:t>
             </a:fld>
             <a:endParaRPr lang="zh-CN" altLang="en-US"/>
           </a:p>
@@ -2720,7 +2720,7 @@
           <a:p>
             <a:fld id="{5B6A5B04-FDD9-4F06-ABDE-95C944661F2A}" type="datetimeFigureOut">
               <a:rPr lang="zh-CN" altLang="en-US" smtClean="0"/>
-              <a:t>2015/9/13</a:t>
+              <a:t>2015/9/14</a:t>
             </a:fld>
             <a:endParaRPr lang="zh-CN" altLang="en-US"/>
           </a:p>
@@ -3104,14 +3104,14 @@
           <p:nvPr>
             <p:extLst>
               <p:ext uri="{D42A27DB-BD31-4B8C-83A1-F6EECF244321}">
-                <p14:modId xmlns:p14="http://schemas.microsoft.com/office/powerpoint/2010/main" val="1555271215"/>
+                <p14:modId xmlns:p14="http://schemas.microsoft.com/office/powerpoint/2010/main" val="292884394"/>
               </p:ext>
             </p:extLst>
           </p:nvPr>
         </p:nvGraphicFramePr>
         <p:xfrm>
           <a:off x="-1676400" y="-762000"/>
-          <a:ext cx="12618720" cy="8347648"/>
+          <a:ext cx="13533120" cy="8347648"/>
         </p:xfrm>
         <a:graphic>
           <a:graphicData uri="http://schemas.openxmlformats.org/drawingml/2006/table">
@@ -3121,8 +3121,8 @@
               </a:tblPr>
               <a:tblGrid>
                 <a:gridCol w="2743200"/>
-                <a:gridCol w="2194560"/>
-                <a:gridCol w="2194560"/>
+                <a:gridCol w="2743200"/>
+                <a:gridCol w="2560320"/>
                 <a:gridCol w="1828800"/>
                 <a:gridCol w="1828800"/>
                 <a:gridCol w="1828800"/>
@@ -3586,18 +3586,15 @@
                           <a:latin typeface="Arial" pitchFamily="34" charset="0"/>
                           <a:cs typeface="Arial" pitchFamily="34" charset="0"/>
                         </a:rPr>
-                        <a:t>-</a:t>
-                      </a:r>
-                      <a:r>
-                        <a:rPr lang="en-US" altLang="zh-CN" sz="2400" b="0" dirty="0" smtClean="0">
-                          <a:solidFill>
-                            <a:schemeClr val="tx1"/>
-                          </a:solidFill>
-                          <a:latin typeface="Arial" pitchFamily="34" charset="0"/>
-                          <a:cs typeface="Arial" pitchFamily="34" charset="0"/>
-                        </a:rPr>
-                        <a:t>b10k</a:t>
-                      </a:r>
+                        <a:t>-Gmax225</a:t>
+                      </a:r>
+                      <a:endParaRPr lang="en-US" altLang="zh-CN" sz="2400" b="0" dirty="0" smtClean="0">
+                        <a:solidFill>
+                          <a:schemeClr val="tx1"/>
+                        </a:solidFill>
+                        <a:latin typeface="Arial" pitchFamily="34" charset="0"/>
+                        <a:cs typeface="Arial" pitchFamily="34" charset="0"/>
+                      </a:endParaRPr>
                     </a:p>
                   </a:txBody>
                   <a:tcPr marL="155968" marR="155968" marT="77984" marB="77984" anchor="ctr">
@@ -3663,7 +3660,7 @@
                         <a:defRPr/>
                       </a:pPr>
                       <a:r>
-                        <a:rPr lang="en-US" altLang="zh-CN" sz="2400" b="0" smtClean="0">
+                        <a:rPr lang="en-US" altLang="zh-CN" sz="2400" b="0" dirty="0" smtClean="0">
                           <a:solidFill>
                             <a:schemeClr val="tx1"/>
                           </a:solidFill>
@@ -3673,24 +3670,14 @@
                         <a:t>DSI-11</a:t>
                       </a:r>
                       <a:r>
-                        <a:rPr lang="en-US" altLang="zh-CN" sz="2400" b="0" baseline="0" smtClean="0">
-                          <a:solidFill>
-                            <a:schemeClr val="tx1"/>
-                          </a:solidFill>
-                          <a:latin typeface="Arial" pitchFamily="34" charset="0"/>
-                          <a:cs typeface="Arial" pitchFamily="34" charset="0"/>
-                        </a:rPr>
-                        <a:t>-</a:t>
-                      </a:r>
-                      <a:r>
-                        <a:rPr lang="en-US" altLang="zh-CN" sz="2400" b="0" smtClean="0">
-                          <a:solidFill>
-                            <a:schemeClr val="tx1"/>
-                          </a:solidFill>
-                          <a:latin typeface="Arial" pitchFamily="34" charset="0"/>
-                          <a:cs typeface="Arial" pitchFamily="34" charset="0"/>
-                        </a:rPr>
-                        <a:t>b7k</a:t>
+                        <a:rPr lang="en-US" altLang="zh-CN" sz="2400" b="0" baseline="0" dirty="0" smtClean="0">
+                          <a:solidFill>
+                            <a:schemeClr val="tx1"/>
+                          </a:solidFill>
+                          <a:latin typeface="Arial" pitchFamily="34" charset="0"/>
+                          <a:cs typeface="Arial" pitchFamily="34" charset="0"/>
+                        </a:rPr>
+                        <a:t>-Gmax40</a:t>
                       </a:r>
                       <a:endParaRPr lang="zh-CN" altLang="en-US" sz="2400" b="0" dirty="0" smtClean="0">
                         <a:solidFill>
@@ -7181,17 +7168,7 @@
                           <a:latin typeface="Arial" pitchFamily="34" charset="0"/>
                           <a:cs typeface="Arial" pitchFamily="34" charset="0"/>
                         </a:rPr>
-                        <a:t> </a:t>
-                      </a:r>
-                      <a:r>
-                        <a:rPr lang="en-US" altLang="zh-CN" sz="2400" b="0" baseline="0" dirty="0" smtClean="0">
-                          <a:solidFill>
-                            <a:schemeClr val="tx1"/>
-                          </a:solidFill>
-                          <a:latin typeface="Arial" pitchFamily="34" charset="0"/>
-                          <a:cs typeface="Arial" pitchFamily="34" charset="0"/>
-                        </a:rPr>
-                        <a:t>#</a:t>
+                        <a:t> #</a:t>
                       </a:r>
                       <a:endParaRPr lang="zh-CN" altLang="en-US" sz="2400" b="0" dirty="0" smtClean="0">
                         <a:solidFill>

--- a/table1/table1-data.pptx
+++ b/table1/table1-data.pptx
@@ -288,7 +288,7 @@
           <a:p>
             <a:fld id="{5B6A5B04-FDD9-4F06-ABDE-95C944661F2A}" type="datetimeFigureOut">
               <a:rPr lang="zh-CN" altLang="en-US" smtClean="0"/>
-              <a:t>2015/9/14</a:t>
+              <a:t>2015/9/15</a:t>
             </a:fld>
             <a:endParaRPr lang="zh-CN" altLang="en-US"/>
           </a:p>
@@ -458,7 +458,7 @@
           <a:p>
             <a:fld id="{5B6A5B04-FDD9-4F06-ABDE-95C944661F2A}" type="datetimeFigureOut">
               <a:rPr lang="zh-CN" altLang="en-US" smtClean="0"/>
-              <a:t>2015/9/14</a:t>
+              <a:t>2015/9/15</a:t>
             </a:fld>
             <a:endParaRPr lang="zh-CN" altLang="en-US"/>
           </a:p>
@@ -638,7 +638,7 @@
           <a:p>
             <a:fld id="{5B6A5B04-FDD9-4F06-ABDE-95C944661F2A}" type="datetimeFigureOut">
               <a:rPr lang="zh-CN" altLang="en-US" smtClean="0"/>
-              <a:t>2015/9/14</a:t>
+              <a:t>2015/9/15</a:t>
             </a:fld>
             <a:endParaRPr lang="zh-CN" altLang="en-US"/>
           </a:p>
@@ -808,7 +808,7 @@
           <a:p>
             <a:fld id="{5B6A5B04-FDD9-4F06-ABDE-95C944661F2A}" type="datetimeFigureOut">
               <a:rPr lang="zh-CN" altLang="en-US" smtClean="0"/>
-              <a:t>2015/9/14</a:t>
+              <a:t>2015/9/15</a:t>
             </a:fld>
             <a:endParaRPr lang="zh-CN" altLang="en-US"/>
           </a:p>
@@ -1054,7 +1054,7 @@
           <a:p>
             <a:fld id="{5B6A5B04-FDD9-4F06-ABDE-95C944661F2A}" type="datetimeFigureOut">
               <a:rPr lang="zh-CN" altLang="en-US" smtClean="0"/>
-              <a:t>2015/9/14</a:t>
+              <a:t>2015/9/15</a:t>
             </a:fld>
             <a:endParaRPr lang="zh-CN" altLang="en-US"/>
           </a:p>
@@ -1342,7 +1342,7 @@
           <a:p>
             <a:fld id="{5B6A5B04-FDD9-4F06-ABDE-95C944661F2A}" type="datetimeFigureOut">
               <a:rPr lang="zh-CN" altLang="en-US" smtClean="0"/>
-              <a:t>2015/9/14</a:t>
+              <a:t>2015/9/15</a:t>
             </a:fld>
             <a:endParaRPr lang="zh-CN" altLang="en-US"/>
           </a:p>
@@ -1764,7 +1764,7 @@
           <a:p>
             <a:fld id="{5B6A5B04-FDD9-4F06-ABDE-95C944661F2A}" type="datetimeFigureOut">
               <a:rPr lang="zh-CN" altLang="en-US" smtClean="0"/>
-              <a:t>2015/9/14</a:t>
+              <a:t>2015/9/15</a:t>
             </a:fld>
             <a:endParaRPr lang="zh-CN" altLang="en-US"/>
           </a:p>
@@ -1882,7 +1882,7 @@
           <a:p>
             <a:fld id="{5B6A5B04-FDD9-4F06-ABDE-95C944661F2A}" type="datetimeFigureOut">
               <a:rPr lang="zh-CN" altLang="en-US" smtClean="0"/>
-              <a:t>2015/9/14</a:t>
+              <a:t>2015/9/15</a:t>
             </a:fld>
             <a:endParaRPr lang="zh-CN" altLang="en-US"/>
           </a:p>
@@ -1977,7 +1977,7 @@
           <a:p>
             <a:fld id="{5B6A5B04-FDD9-4F06-ABDE-95C944661F2A}" type="datetimeFigureOut">
               <a:rPr lang="zh-CN" altLang="en-US" smtClean="0"/>
-              <a:t>2015/9/14</a:t>
+              <a:t>2015/9/15</a:t>
             </a:fld>
             <a:endParaRPr lang="zh-CN" altLang="en-US"/>
           </a:p>
@@ -2254,7 +2254,7 @@
           <a:p>
             <a:fld id="{5B6A5B04-FDD9-4F06-ABDE-95C944661F2A}" type="datetimeFigureOut">
               <a:rPr lang="zh-CN" altLang="en-US" smtClean="0"/>
-              <a:t>2015/9/14</a:t>
+              <a:t>2015/9/15</a:t>
             </a:fld>
             <a:endParaRPr lang="zh-CN" altLang="en-US"/>
           </a:p>
@@ -2507,7 +2507,7 @@
           <a:p>
             <a:fld id="{5B6A5B04-FDD9-4F06-ABDE-95C944661F2A}" type="datetimeFigureOut">
               <a:rPr lang="zh-CN" altLang="en-US" smtClean="0"/>
-              <a:t>2015/9/14</a:t>
+              <a:t>2015/9/15</a:t>
             </a:fld>
             <a:endParaRPr lang="zh-CN" altLang="en-US"/>
           </a:p>
@@ -2720,7 +2720,7 @@
           <a:p>
             <a:fld id="{5B6A5B04-FDD9-4F06-ABDE-95C944661F2A}" type="datetimeFigureOut">
               <a:rPr lang="zh-CN" altLang="en-US" smtClean="0"/>
-              <a:t>2015/9/14</a:t>
+              <a:t>2015/9/15</a:t>
             </a:fld>
             <a:endParaRPr lang="zh-CN" altLang="en-US"/>
           </a:p>
@@ -3104,7 +3104,7 @@
           <p:nvPr>
             <p:extLst>
               <p:ext uri="{D42A27DB-BD31-4B8C-83A1-F6EECF244321}">
-                <p14:modId xmlns:p14="http://schemas.microsoft.com/office/powerpoint/2010/main" val="292884394"/>
+                <p14:modId xmlns:p14="http://schemas.microsoft.com/office/powerpoint/2010/main" val="3049641795"/>
               </p:ext>
             </p:extLst>
           </p:nvPr>
@@ -3128,13 +3128,33 @@
                 <a:gridCol w="1828800"/>
               </a:tblGrid>
               <a:tr h="457200">
-                <a:tc>
+                <a:tc rowSpan="2">
                   <a:txBody>
                     <a:bodyPr/>
                     <a:lstStyle/>
                     <a:p>
                       <a:pPr algn="ctr"/>
-                      <a:endParaRPr lang="zh-CN" altLang="en-US" sz="2400" b="0" dirty="0">
+                      <a:r>
+                        <a:rPr lang="en-US" altLang="zh-CN" sz="2400" b="1" dirty="0" smtClean="0">
+                          <a:solidFill>
+                            <a:schemeClr val="tx1"/>
+                          </a:solidFill>
+                          <a:latin typeface="Arial" pitchFamily="34" charset="0"/>
+                          <a:cs typeface="Arial" pitchFamily="34" charset="0"/>
+                        </a:rPr>
+                        <a:t>Acquisition</a:t>
+                      </a:r>
+                      <a:r>
+                        <a:rPr lang="en-US" altLang="zh-CN" sz="2400" b="1" baseline="0" dirty="0" smtClean="0">
+                          <a:solidFill>
+                            <a:schemeClr val="tx1"/>
+                          </a:solidFill>
+                          <a:latin typeface="Arial" pitchFamily="34" charset="0"/>
+                          <a:cs typeface="Arial" pitchFamily="34" charset="0"/>
+                        </a:rPr>
+                        <a:t> Parameters</a:t>
+                      </a:r>
+                      <a:endParaRPr lang="zh-CN" altLang="en-US" sz="2400" b="1" dirty="0">
                         <a:solidFill>
                           <a:schemeClr val="tx1"/>
                         </a:solidFill>
@@ -3491,7 +3511,7 @@
                 </a:tc>
               </a:tr>
               <a:tr h="457200">
-                <a:tc>
+                <a:tc vMerge="1">
                   <a:txBody>
                     <a:bodyPr/>
                     <a:lstStyle/>
@@ -4008,6 +4028,16 @@
                           <a:cs typeface="Arial" pitchFamily="34" charset="0"/>
                         </a:rPr>
                         <a:t>δ</a:t>
+                      </a:r>
+                      <a:r>
+                        <a:rPr lang="en-US" altLang="zh-CN" sz="2400" b="0" baseline="30000" dirty="0" smtClean="0">
+                          <a:solidFill>
+                            <a:schemeClr val="tx1"/>
+                          </a:solidFill>
+                          <a:latin typeface="Arial" pitchFamily="34" charset="0"/>
+                          <a:cs typeface="Arial" pitchFamily="34" charset="0"/>
+                        </a:rPr>
+                        <a:t>*</a:t>
                       </a:r>
                       <a:r>
                         <a:rPr lang="en-US" altLang="zh-CN" sz="2400" b="0" dirty="0" smtClean="0">
@@ -9345,6 +9375,72 @@
           </a:graphicData>
         </a:graphic>
       </p:graphicFrame>
+      <p:sp>
+        <p:nvSpPr>
+          <p:cNvPr id="2" name="TextBox 1"/>
+          <p:cNvSpPr txBox="1"/>
+          <p:nvPr/>
+        </p:nvSpPr>
+        <p:spPr>
+          <a:xfrm>
+            <a:off x="-1695994" y="7574518"/>
+            <a:ext cx="13811794" cy="830997"/>
+          </a:xfrm>
+          <a:prstGeom prst="rect">
+            <a:avLst/>
+          </a:prstGeom>
+          <a:noFill/>
+        </p:spPr>
+        <p:txBody>
+          <a:bodyPr wrap="none" rtlCol="0">
+            <a:spAutoFit/>
+          </a:bodyPr>
+          <a:lstStyle/>
+          <a:p>
+            <a:r>
+              <a:rPr lang="en-US" altLang="zh-CN" sz="2400" baseline="30000" dirty="0" smtClean="0">
+                <a:latin typeface="Arial" pitchFamily="34" charset="0"/>
+                <a:cs typeface="Arial" pitchFamily="34" charset="0"/>
+              </a:rPr>
+              <a:t>*</a:t>
+            </a:r>
+            <a:r>
+              <a:rPr lang="en-US" altLang="zh-CN" sz="2400" dirty="0" smtClean="0">
+                <a:latin typeface="Arial" pitchFamily="34" charset="0"/>
+                <a:cs typeface="Arial" pitchFamily="34" charset="0"/>
+              </a:rPr>
+              <a:t>Note that </a:t>
+            </a:r>
+            <a:r>
+              <a:rPr lang="el-GR" altLang="zh-CN" sz="2400" dirty="0">
+                <a:latin typeface="Arial" pitchFamily="34" charset="0"/>
+                <a:cs typeface="Arial" pitchFamily="34" charset="0"/>
+              </a:rPr>
+              <a:t>δ</a:t>
+            </a:r>
+            <a:r>
+              <a:rPr lang="en-US" altLang="zh-CN" sz="2400" dirty="0" smtClean="0">
+                <a:latin typeface="Arial" pitchFamily="34" charset="0"/>
+                <a:cs typeface="Arial" pitchFamily="34" charset="0"/>
+              </a:rPr>
+              <a:t>  includes the time from the start of the ramp up to the strongest gradient strength used </a:t>
+            </a:r>
+          </a:p>
+          <a:p>
+            <a:r>
+              <a:rPr lang="en-US" altLang="zh-CN" sz="2400" dirty="0" smtClean="0">
+                <a:latin typeface="Arial" pitchFamily="34" charset="0"/>
+                <a:cs typeface="Arial" pitchFamily="34" charset="0"/>
+              </a:rPr>
+              <a:t>for the diffusion encoding pulse until the start of the ramp down. </a:t>
+            </a:r>
+            <a:endParaRPr lang="zh-CN" altLang="en-US" dirty="0">
+              <a:latin typeface="Arial" pitchFamily="34" charset="0"/>
+              <a:cs typeface="Arial" pitchFamily="34" charset="0"/>
+            </a:endParaRPr>
+          </a:p>
+        </p:txBody>
+      </p:sp>
     </p:spTree>
     <p:extLst>
       <p:ext uri="{BB962C8B-B14F-4D97-AF65-F5344CB8AC3E}">
